--- a/02. Fundamentals of Testing/Fundamentals of Testing.pptx
+++ b/02. Fundamentals of Testing/Fundamentals of Testing.pptx
@@ -243,7 +243,7 @@
             <a:fld id="{88EBD4C3-E5F3-4D5E-9E34-8C78933643D1}" type="datetimeFigureOut">
               <a:rPr lang="en-US" smtClean="0"/>
               <a:pPr/>
-              <a:t>11/4/2015</a:t>
+              <a:t>11/9/2015</a:t>
             </a:fld>
             <a:endParaRPr lang="en-US"/>
           </a:p>
@@ -9568,11 +9568,7 @@
           <a:p>
             <a:r>
               <a:rPr lang="en-US" dirty="0" smtClean="0"/>
-              <a:t>What is Testing</a:t>
-            </a:r>
-            <a:r>
-              <a:rPr lang="en-US" dirty="0" smtClean="0"/>
-              <a:t>?</a:t>
+              <a:t>What is Testing?</a:t>
             </a:r>
             <a:endParaRPr lang="en-US" dirty="0"/>
           </a:p>
@@ -11118,11 +11114,7 @@
           <a:p>
             <a:r>
               <a:rPr lang="en-US" dirty="0" smtClean="0"/>
-              <a:t>Different </a:t>
-            </a:r>
-            <a:r>
-              <a:rPr lang="en-US" dirty="0" smtClean="0"/>
-              <a:t>Viewpoints</a:t>
+              <a:t>Different Viewpoints</a:t>
             </a:r>
             <a:endParaRPr lang="en-US" dirty="0"/>
           </a:p>
@@ -15117,47 +15109,12 @@
               <a:buAutoNum type="arabicPeriod" startAt="2"/>
             </a:pPr>
             <a:r>
+              <a:rPr lang="en-US" sz="3000" dirty="0" smtClean="0"/>
+              <a:t>Search </a:t>
+            </a:r>
+            <a:r>
               <a:rPr lang="en-US" sz="3000" dirty="0"/>
-              <a:t>Find in the Internet information about the </a:t>
-            </a:r>
-            <a:r>
-              <a:rPr lang="en-US" sz="3000" dirty="0">
-                <a:solidFill>
-                  <a:schemeClr val="accent5">
-                    <a:lumMod val="20000"/>
-                    <a:lumOff val="80000"/>
-                  </a:schemeClr>
-                </a:solidFill>
-              </a:rPr>
-              <a:t>ISTQB </a:t>
-            </a:r>
-            <a:r>
-              <a:rPr lang="en-US" sz="3000" dirty="0"/>
-              <a:t>(International Software Testing Board): </a:t>
-            </a:r>
-            <a:r>
-              <a:rPr lang="en-US" sz="3000" dirty="0">
-                <a:hlinkClick r:id="rId2"/>
-              </a:rPr>
-              <a:t> http://istqb.org</a:t>
-            </a:r>
-            <a:endParaRPr lang="en-US" sz="3000" dirty="0"/>
-          </a:p>
-          <a:p>
-            <a:pPr marL="514350" indent="-514350">
-              <a:spcBef>
-                <a:spcPts val="0"/>
-              </a:spcBef>
-              <a:spcAft>
-                <a:spcPts val="0"/>
-              </a:spcAft>
-              <a:buSzPct val="100000"/>
-              <a:buFont typeface="+mj-lt"/>
-              <a:buAutoNum type="arabicPeriod" startAt="2"/>
-            </a:pPr>
-            <a:r>
-              <a:rPr lang="en-US" sz="3000" dirty="0"/>
-              <a:t>Search the Internet and get familiar with some famous examples of software failures and the costs that have occurred from them</a:t>
+              <a:t>the Internet and get familiar with some famous examples of software failures and the costs that have occurred from them</a:t>
             </a:r>
           </a:p>
           <a:p>
@@ -15176,7 +15133,7 @@
             </a:r>
             <a:r>
               <a:rPr lang="en-US" sz="2800" dirty="0">
-                <a:hlinkClick r:id="rId3"/>
+                <a:hlinkClick r:id="rId2"/>
               </a:rPr>
               <a:t>http://www.devtopics.com/20-famous-software-disasters/</a:t>
             </a:r>
@@ -15214,7 +15171,7 @@
             </a:pPr>
             <a:r>
               <a:rPr lang="en-US" sz="2800" dirty="0">
-                <a:hlinkClick r:id="rId4"/>
+                <a:hlinkClick r:id="rId3"/>
               </a:rPr>
               <a:t>http://www.askvg.com/microsoft-windows-seven-bug-report/</a:t>
             </a:r>
